--- a/slides/Dantoni-Opsgility-MSFabric-Module7.pptx
+++ b/slides/Dantoni-Opsgility-MSFabric-Module7.pptx
@@ -213,7 +213,7 @@
           <a:p>
             <a:fld id="{0D354273-E04F-4A6B-AB46-301CAB090479}" type="datetimeFigureOut">
               <a:rPr lang="en-US" smtClean="0"/>
-              <a:t>9/22/2023</a:t>
+              <a:t>11/21/2023</a:t>
             </a:fld>
             <a:endParaRPr lang="en-US"/>
           </a:p>
@@ -2629,7 +2629,7 @@
           <a:p>
             <a:r>
               <a:rPr lang="en-US" dirty="0"/>
-              <a:t>Once the tables are copied, we refresh a Power BI dataset that contains some of the tables. </a:t>
+              <a:t>Once the tables are copied, we refresh a Power BI semantic model that contains some of the tables. </a:t>
             </a:r>
           </a:p>
         </p:txBody>
@@ -14486,12 +14486,6 @@
 </file>
 
 <file path=customXml/item1.xml><?xml version="1.0" encoding="utf-8"?>
-<p:properties xmlns:p="http://schemas.microsoft.com/office/2006/metadata/properties" xmlns:xsi="http://www.w3.org/2001/XMLSchema-instance" xmlns:pc="http://schemas.microsoft.com/office/infopath/2007/PartnerControls">
-  <documentManagement/>
-</p:properties>
-</file>
-
-<file path=customXml/item2.xml><?xml version="1.0" encoding="utf-8"?>
 <ct:contentTypeSchema xmlns:ct="http://schemas.microsoft.com/office/2006/metadata/contentType" xmlns:ma="http://schemas.microsoft.com/office/2006/metadata/properties/metaAttributes" ct:_="" ma:_="" ma:contentTypeName="Document" ma:contentTypeID="0x010100B8CFE09A3088BA4C8DAD689BB01679B8" ma:contentTypeVersion="10" ma:contentTypeDescription="Create a new document." ma:contentTypeScope="" ma:versionID="76f34acd9020c8ce1aab729b67fd078e">
   <xsd:schema xmlns:xsd="http://www.w3.org/2001/XMLSchema" xmlns:xs="http://www.w3.org/2001/XMLSchema" xmlns:p="http://schemas.microsoft.com/office/2006/metadata/properties" xmlns:ns2="30241bb1-3633-4696-a205-62244f9c1dd7" targetNamespace="http://schemas.microsoft.com/office/2006/metadata/properties" ma:root="true" ma:fieldsID="a37d36f2a6ec64e42d083cbe14a0e6d2" ns2:_="">
     <xsd:import namespace="30241bb1-3633-4696-a205-62244f9c1dd7"/>
@@ -14675,6 +14669,12 @@
 </ct:contentTypeSchema>
 </file>
 
+<file path=customXml/item2.xml><?xml version="1.0" encoding="utf-8"?>
+<p:properties xmlns:p="http://schemas.microsoft.com/office/2006/metadata/properties" xmlns:xsi="http://www.w3.org/2001/XMLSchema-instance" xmlns:pc="http://schemas.microsoft.com/office/infopath/2007/PartnerControls">
+  <documentManagement/>
+</p:properties>
+</file>
+
 <file path=customXml/item3.xml><?xml version="1.0" encoding="utf-8"?>
 <?mso-contentType ?>
 <FormTemplates xmlns="http://schemas.microsoft.com/sharepoint/v3/contenttype/forms">
@@ -14685,6 +14685,24 @@
 </file>
 
 <file path=customXml/itemProps1.xml><?xml version="1.0" encoding="utf-8"?>
+<ds:datastoreItem xmlns:ds="http://schemas.openxmlformats.org/officeDocument/2006/customXml" ds:itemID="{EB9D8B48-9C73-4B61-9BA6-E8B4BEA4D64F}">
+  <ds:schemaRefs>
+    <ds:schemaRef ds:uri="http://schemas.microsoft.com/office/2006/metadata/contentType"/>
+    <ds:schemaRef ds:uri="http://schemas.microsoft.com/office/2006/metadata/properties/metaAttributes"/>
+    <ds:schemaRef ds:uri="http://www.w3.org/2001/XMLSchema"/>
+    <ds:schemaRef ds:uri="http://schemas.microsoft.com/office/2006/metadata/properties"/>
+    <ds:schemaRef ds:uri="30241bb1-3633-4696-a205-62244f9c1dd7"/>
+    <ds:schemaRef ds:uri="http://schemas.microsoft.com/office/2006/documentManagement/types"/>
+    <ds:schemaRef ds:uri="http://schemas.microsoft.com/office/infopath/2007/PartnerControls"/>
+    <ds:schemaRef ds:uri="http://schemas.openxmlformats.org/package/2006/metadata/core-properties"/>
+    <ds:schemaRef ds:uri="http://purl.org/dc/elements/1.1/"/>
+    <ds:schemaRef ds:uri="http://purl.org/dc/terms/"/>
+    <ds:schemaRef ds:uri="http://schemas.microsoft.com/internal/obd"/>
+  </ds:schemaRefs>
+</ds:datastoreItem>
+</file>
+
+<file path=customXml/itemProps2.xml><?xml version="1.0" encoding="utf-8"?>
 <ds:datastoreItem xmlns:ds="http://schemas.openxmlformats.org/officeDocument/2006/customXml" ds:itemID="{EDCB3B52-9508-4A63-AFCC-05E7630C15CA}">
   <ds:schemaRefs>
     <ds:schemaRef ds:uri="http://schemas.microsoft.com/office/2006/metadata/properties"/>
@@ -14693,10 +14711,6 @@
     <ds:schemaRef ds:uri="df7f103e-597c-493b-bc31-914106b908e0"/>
   </ds:schemaRefs>
 </ds:datastoreItem>
-</file>
-
-<file path=customXml/itemProps2.xml><?xml version="1.0" encoding="utf-8"?>
-<ds:datastoreItem xmlns:ds="http://schemas.openxmlformats.org/officeDocument/2006/customXml" ds:itemID="{EB9D8B48-9C73-4B61-9BA6-E8B4BEA4D64F}"/>
 </file>
 
 <file path=customXml/itemProps3.xml><?xml version="1.0" encoding="utf-8"?>
